--- a/Präsi Marvin.pptx
+++ b/Präsi Marvin.pptx
@@ -297,7 +297,7 @@
           <a:p>
             <a:fld id="{128FCA9C-FF92-4024-BDEC-A6D3B663DC09}" type="datetimeFigureOut">
               <a:rPr lang="de-DE" smtClean="0"/>
-              <a:t>26.02.2018</a:t>
+              <a:t>27.02.2018</a:t>
             </a:fld>
             <a:endParaRPr lang="de-DE" dirty="0"/>
           </a:p>
@@ -462,7 +462,7 @@
           <a:p>
             <a:fld id="{772AB877-E7B1-4681-847E-D0918612832B}" type="datetimeFigureOut">
               <a:rPr lang="de-DE" smtClean="0"/>
-              <a:t>26.02.2018</a:t>
+              <a:t>27.02.2018</a:t>
             </a:fld>
             <a:endParaRPr lang="de-DE" dirty="0"/>
           </a:p>
@@ -44368,7 +44368,7 @@
           <a:p>
             <a:fld id="{8F222343-8575-4DEC-ABE7-9907ED947A8E}" type="datetime1">
               <a:rPr lang="de-DE" smtClean="0"/>
-              <a:t>26.02.2018</a:t>
+              <a:t>27.02.2018</a:t>
             </a:fld>
             <a:endParaRPr lang="de-DE" dirty="0"/>
           </a:p>
@@ -44580,7 +44580,7 @@
           <a:p>
             <a:fld id="{473E730C-C80A-4D3B-A3DF-5E7F68893F61}" type="datetime1">
               <a:rPr lang="de-DE" smtClean="0"/>
-              <a:t>26.02.2018</a:t>
+              <a:t>27.02.2018</a:t>
             </a:fld>
             <a:endParaRPr lang="de-DE" dirty="0"/>
           </a:p>
@@ -44782,7 +44782,7 @@
           <a:p>
             <a:fld id="{DDDEB8EF-940F-41B8-A0E2-06FC334F1399}" type="datetime1">
               <a:rPr lang="de-DE" smtClean="0"/>
-              <a:t>26.02.2018</a:t>
+              <a:t>27.02.2018</a:t>
             </a:fld>
             <a:endParaRPr lang="de-DE" dirty="0"/>
           </a:p>
@@ -45047,7 +45047,7 @@
           <a:p>
             <a:fld id="{712A1D93-DBBC-44C7-8830-0E5FE853C076}" type="datetime1">
               <a:rPr lang="de-DE" smtClean="0"/>
-              <a:t>26.02.2018</a:t>
+              <a:t>27.02.2018</a:t>
             </a:fld>
             <a:endParaRPr lang="de-DE" dirty="0"/>
           </a:p>
@@ -45355,7 +45355,7 @@
           <a:p>
             <a:fld id="{DCE2B76C-E5CE-435A-AA67-F9822A810B31}" type="datetime1">
               <a:rPr lang="de-DE" smtClean="0"/>
-              <a:t>26.02.2018</a:t>
+              <a:t>27.02.2018</a:t>
             </a:fld>
             <a:endParaRPr lang="de-DE" dirty="0"/>
           </a:p>
@@ -45820,7 +45820,7 @@
           <a:p>
             <a:fld id="{82747103-6B17-499D-8CCB-991F4710F09F}" type="datetime1">
               <a:rPr lang="de-DE" smtClean="0"/>
-              <a:t>26.02.2018</a:t>
+              <a:t>27.02.2018</a:t>
             </a:fld>
             <a:endParaRPr lang="de-DE" dirty="0"/>
           </a:p>
@@ -45954,7 +45954,7 @@
           <a:p>
             <a:fld id="{DAC246F3-4DA9-4793-A2F0-C19B77E73823}" type="datetime1">
               <a:rPr lang="de-DE" smtClean="0"/>
-              <a:t>26.02.2018</a:t>
+              <a:t>27.02.2018</a:t>
             </a:fld>
             <a:endParaRPr lang="de-DE" dirty="0"/>
           </a:p>
@@ -46065,7 +46065,7 @@
           <a:p>
             <a:fld id="{B93F82E1-D220-42B8-8AE6-CD78481DE9E7}" type="datetime1">
               <a:rPr lang="de-DE" smtClean="0"/>
-              <a:t>26.02.2018</a:t>
+              <a:t>27.02.2018</a:t>
             </a:fld>
             <a:endParaRPr lang="de-DE" dirty="0"/>
           </a:p>
@@ -46436,7 +46436,7 @@
           <a:p>
             <a:fld id="{BF342845-E68F-4C67-A579-1F4842AFBEC8}" type="datetime1">
               <a:rPr lang="de-DE" smtClean="0"/>
-              <a:t>26.02.2018</a:t>
+              <a:t>27.02.2018</a:t>
             </a:fld>
             <a:endParaRPr lang="de-DE" dirty="0"/>
           </a:p>
@@ -46800,7 +46800,7 @@
           <a:p>
             <a:fld id="{21DD5D35-A3BF-4086-8D16-5FB8CE50B4FE}" type="datetime1">
               <a:rPr lang="de-DE" smtClean="0"/>
-              <a:t>26.02.2018</a:t>
+              <a:t>27.02.2018</a:t>
             </a:fld>
             <a:endParaRPr lang="de-DE" dirty="0"/>
           </a:p>
@@ -47049,7 +47049,7 @@
           <a:p>
             <a:fld id="{7964C76B-93AA-4821-B258-FC034F1447BC}" type="datetime1">
               <a:rPr lang="de-DE" smtClean="0"/>
-              <a:t>26.02.2018</a:t>
+              <a:t>27.02.2018</a:t>
             </a:fld>
             <a:endParaRPr lang="de-DE" dirty="0"/>
           </a:p>
@@ -47532,7 +47532,7 @@
           <a:p>
             <a:fld id="{29FF164C-B2AB-4B4F-9E53-584FE7504724}" type="datetime1">
               <a:rPr lang="de-DE" smtClean="0"/>
-              <a:t>26.02.2018</a:t>
+              <a:t>27.02.2018</a:t>
             </a:fld>
             <a:endParaRPr lang="de-DE" dirty="0"/>
           </a:p>
@@ -47728,11 +47728,11 @@
             </a:pPr>
             <a:r>
               <a:rPr lang="de-DE" b="1" dirty="0"/>
-              <a:t>Schriftlicher Vertrag</a:t>
+              <a:t>schriftlicher Vertrag</a:t>
             </a:r>
             <a:r>
               <a:rPr lang="de-DE" dirty="0"/>
-              <a:t> zwischen Auftraggeber und Arbeitnehmer (Auftragsdatenverarbeitungsvertrag)</a:t>
+              <a:t> (Auftragsdatenverarbeitungsvertrag)</a:t>
             </a:r>
           </a:p>
         </p:txBody>
@@ -47760,7 +47760,7 @@
           <a:p>
             <a:fld id="{A32910DC-9FE0-4791-AA7D-4EB6EA0220AF}" type="datetime1">
               <a:rPr lang="de-DE" smtClean="0"/>
-              <a:t>26.02.2018</a:t>
+              <a:t>27.02.2018</a:t>
             </a:fld>
             <a:endParaRPr lang="de-DE" dirty="0"/>
           </a:p>
@@ -47942,7 +47942,7 @@
           <a:p>
             <a:r>
               <a:rPr lang="de-DE" sz="2800" dirty="0"/>
-              <a:t>Geheimhaltung personenbezogener Daten</a:t>
+              <a:t>Geheimhaltung</a:t>
             </a:r>
           </a:p>
         </p:txBody>
@@ -47970,7 +47970,7 @@
           <a:p>
             <a:fld id="{53486B03-5E8A-487C-9459-E6CC0D78575A}" type="datetime1">
               <a:rPr lang="de-DE" smtClean="0"/>
-              <a:t>26.02.2018</a:t>
+              <a:t>27.02.2018</a:t>
             </a:fld>
             <a:endParaRPr lang="de-DE" dirty="0"/>
           </a:p>
@@ -48121,7 +48121,7 @@
           <a:p>
             <a:fld id="{E94E3E5D-A7E3-404A-AB4E-3E0AB5E2DCC7}" type="datetime1">
               <a:rPr lang="de-DE" smtClean="0"/>
-              <a:t>26.02.2018</a:t>
+              <a:t>27.02.2018</a:t>
             </a:fld>
             <a:endParaRPr lang="de-DE" dirty="0"/>
           </a:p>
@@ -48525,7 +48525,7 @@
           <a:p>
             <a:fld id="{E94E3E5D-A7E3-404A-AB4E-3E0AB5E2DCC7}" type="datetime1">
               <a:rPr lang="de-DE" smtClean="0"/>
-              <a:t>26.02.2018</a:t>
+              <a:t>27.02.2018</a:t>
             </a:fld>
             <a:endParaRPr lang="de-DE" dirty="0"/>
           </a:p>
@@ -49225,7 +49225,7 @@
           <a:p>
             <a:fld id="{E94E3E5D-A7E3-404A-AB4E-3E0AB5E2DCC7}" type="datetime1">
               <a:rPr lang="de-DE" smtClean="0"/>
-              <a:t>26.02.2018</a:t>
+              <a:t>27.02.2018</a:t>
             </a:fld>
             <a:endParaRPr lang="de-DE" dirty="0"/>
           </a:p>
@@ -49685,7 +49685,7 @@
           <a:p>
             <a:fld id="{E94E3E5D-A7E3-404A-AB4E-3E0AB5E2DCC7}" type="datetime1">
               <a:rPr lang="de-DE" smtClean="0"/>
-              <a:t>26.02.2018</a:t>
+              <a:t>27.02.2018</a:t>
             </a:fld>
             <a:endParaRPr lang="de-DE" dirty="0"/>
           </a:p>
@@ -50101,7 +50101,7 @@
           <a:p>
             <a:fld id="{E94E3E5D-A7E3-404A-AB4E-3E0AB5E2DCC7}" type="datetime1">
               <a:rPr lang="de-DE" smtClean="0"/>
-              <a:t>26.02.2018</a:t>
+              <a:t>27.02.2018</a:t>
             </a:fld>
             <a:endParaRPr lang="de-DE" dirty="0"/>
           </a:p>
